--- a/meeting-notes/Appointment state diagram.pptx
+++ b/meeting-notes/Appointment state diagram.pptx
@@ -238,7 +238,8 @@
           <a:p>
             <a:fld id="{D416B234-FC43-3641-B805-7771F292827F}" type="datetimeFigureOut">
               <a:rPr lang="en-US" smtClean="0"/>
-              <a:t>8/2/17</a:t>
+              <a:pPr/>
+              <a:t>8/9/2017</a:t>
             </a:fld>
             <a:endParaRPr lang="en-US"/>
           </a:p>
@@ -280,6 +281,7 @@
           <a:p>
             <a:fld id="{1C688E79-7560-8749-BC98-83A820CCD3F8}" type="slidenum">
               <a:rPr lang="en-US" smtClean="0"/>
+              <a:pPr/>
               <a:t>‹#›</a:t>
             </a:fld>
             <a:endParaRPr lang="en-US"/>
@@ -289,7 +291,7 @@
     </p:spTree>
     <p:extLst>
       <p:ext uri="{BB962C8B-B14F-4D97-AF65-F5344CB8AC3E}">
-        <p14:creationId xmlns:p14="http://schemas.microsoft.com/office/powerpoint/2010/main" val="1048557045"/>
+        <p14:creationId xmlns:p14="http://schemas.microsoft.com/office/powerpoint/2010/main" xmlns="" val="1048557045"/>
       </p:ext>
     </p:extLst>
   </p:cSld>
@@ -408,7 +410,8 @@
           <a:p>
             <a:fld id="{D416B234-FC43-3641-B805-7771F292827F}" type="datetimeFigureOut">
               <a:rPr lang="en-US" smtClean="0"/>
-              <a:t>8/2/17</a:t>
+              <a:pPr/>
+              <a:t>8/9/2017</a:t>
             </a:fld>
             <a:endParaRPr lang="en-US"/>
           </a:p>
@@ -450,6 +453,7 @@
           <a:p>
             <a:fld id="{1C688E79-7560-8749-BC98-83A820CCD3F8}" type="slidenum">
               <a:rPr lang="en-US" smtClean="0"/>
+              <a:pPr/>
               <a:t>‹#›</a:t>
             </a:fld>
             <a:endParaRPr lang="en-US"/>
@@ -459,7 +463,7 @@
     </p:spTree>
     <p:extLst>
       <p:ext uri="{BB962C8B-B14F-4D97-AF65-F5344CB8AC3E}">
-        <p14:creationId xmlns:p14="http://schemas.microsoft.com/office/powerpoint/2010/main" val="266562965"/>
+        <p14:creationId xmlns:p14="http://schemas.microsoft.com/office/powerpoint/2010/main" xmlns="" val="266562965"/>
       </p:ext>
     </p:extLst>
   </p:cSld>
@@ -588,7 +592,8 @@
           <a:p>
             <a:fld id="{D416B234-FC43-3641-B805-7771F292827F}" type="datetimeFigureOut">
               <a:rPr lang="en-US" smtClean="0"/>
-              <a:t>8/2/17</a:t>
+              <a:pPr/>
+              <a:t>8/9/2017</a:t>
             </a:fld>
             <a:endParaRPr lang="en-US"/>
           </a:p>
@@ -630,6 +635,7 @@
           <a:p>
             <a:fld id="{1C688E79-7560-8749-BC98-83A820CCD3F8}" type="slidenum">
               <a:rPr lang="en-US" smtClean="0"/>
+              <a:pPr/>
               <a:t>‹#›</a:t>
             </a:fld>
             <a:endParaRPr lang="en-US"/>
@@ -639,7 +645,7 @@
     </p:spTree>
     <p:extLst>
       <p:ext uri="{BB962C8B-B14F-4D97-AF65-F5344CB8AC3E}">
-        <p14:creationId xmlns:p14="http://schemas.microsoft.com/office/powerpoint/2010/main" val="472865113"/>
+        <p14:creationId xmlns:p14="http://schemas.microsoft.com/office/powerpoint/2010/main" xmlns="" val="472865113"/>
       </p:ext>
     </p:extLst>
   </p:cSld>
@@ -758,7 +764,8 @@
           <a:p>
             <a:fld id="{D416B234-FC43-3641-B805-7771F292827F}" type="datetimeFigureOut">
               <a:rPr lang="en-US" smtClean="0"/>
-              <a:t>8/2/17</a:t>
+              <a:pPr/>
+              <a:t>8/9/2017</a:t>
             </a:fld>
             <a:endParaRPr lang="en-US"/>
           </a:p>
@@ -800,6 +807,7 @@
           <a:p>
             <a:fld id="{1C688E79-7560-8749-BC98-83A820CCD3F8}" type="slidenum">
               <a:rPr lang="en-US" smtClean="0"/>
+              <a:pPr/>
               <a:t>‹#›</a:t>
             </a:fld>
             <a:endParaRPr lang="en-US"/>
@@ -809,7 +817,7 @@
     </p:spTree>
     <p:extLst>
       <p:ext uri="{BB962C8B-B14F-4D97-AF65-F5344CB8AC3E}">
-        <p14:creationId xmlns:p14="http://schemas.microsoft.com/office/powerpoint/2010/main" val="1776177184"/>
+        <p14:creationId xmlns:p14="http://schemas.microsoft.com/office/powerpoint/2010/main" xmlns="" val="1776177184"/>
       </p:ext>
     </p:extLst>
   </p:cSld>
@@ -1004,7 +1012,8 @@
           <a:p>
             <a:fld id="{D416B234-FC43-3641-B805-7771F292827F}" type="datetimeFigureOut">
               <a:rPr lang="en-US" smtClean="0"/>
-              <a:t>8/2/17</a:t>
+              <a:pPr/>
+              <a:t>8/9/2017</a:t>
             </a:fld>
             <a:endParaRPr lang="en-US"/>
           </a:p>
@@ -1046,6 +1055,7 @@
           <a:p>
             <a:fld id="{1C688E79-7560-8749-BC98-83A820CCD3F8}" type="slidenum">
               <a:rPr lang="en-US" smtClean="0"/>
+              <a:pPr/>
               <a:t>‹#›</a:t>
             </a:fld>
             <a:endParaRPr lang="en-US"/>
@@ -1055,7 +1065,7 @@
     </p:spTree>
     <p:extLst>
       <p:ext uri="{BB962C8B-B14F-4D97-AF65-F5344CB8AC3E}">
-        <p14:creationId xmlns:p14="http://schemas.microsoft.com/office/powerpoint/2010/main" val="39754541"/>
+        <p14:creationId xmlns:p14="http://schemas.microsoft.com/office/powerpoint/2010/main" xmlns="" val="39754541"/>
       </p:ext>
     </p:extLst>
   </p:cSld>
@@ -1236,7 +1246,8 @@
           <a:p>
             <a:fld id="{D416B234-FC43-3641-B805-7771F292827F}" type="datetimeFigureOut">
               <a:rPr lang="en-US" smtClean="0"/>
-              <a:t>8/2/17</a:t>
+              <a:pPr/>
+              <a:t>8/9/2017</a:t>
             </a:fld>
             <a:endParaRPr lang="en-US"/>
           </a:p>
@@ -1278,6 +1289,7 @@
           <a:p>
             <a:fld id="{1C688E79-7560-8749-BC98-83A820CCD3F8}" type="slidenum">
               <a:rPr lang="en-US" smtClean="0"/>
+              <a:pPr/>
               <a:t>‹#›</a:t>
             </a:fld>
             <a:endParaRPr lang="en-US"/>
@@ -1287,7 +1299,7 @@
     </p:spTree>
     <p:extLst>
       <p:ext uri="{BB962C8B-B14F-4D97-AF65-F5344CB8AC3E}">
-        <p14:creationId xmlns:p14="http://schemas.microsoft.com/office/powerpoint/2010/main" val="287156370"/>
+        <p14:creationId xmlns:p14="http://schemas.microsoft.com/office/powerpoint/2010/main" xmlns="" val="287156370"/>
       </p:ext>
     </p:extLst>
   </p:cSld>
@@ -1603,7 +1615,8 @@
           <a:p>
             <a:fld id="{D416B234-FC43-3641-B805-7771F292827F}" type="datetimeFigureOut">
               <a:rPr lang="en-US" smtClean="0"/>
-              <a:t>8/2/17</a:t>
+              <a:pPr/>
+              <a:t>8/9/2017</a:t>
             </a:fld>
             <a:endParaRPr lang="en-US"/>
           </a:p>
@@ -1645,6 +1658,7 @@
           <a:p>
             <a:fld id="{1C688E79-7560-8749-BC98-83A820CCD3F8}" type="slidenum">
               <a:rPr lang="en-US" smtClean="0"/>
+              <a:pPr/>
               <a:t>‹#›</a:t>
             </a:fld>
             <a:endParaRPr lang="en-US"/>
@@ -1654,7 +1668,7 @@
     </p:spTree>
     <p:extLst>
       <p:ext uri="{BB962C8B-B14F-4D97-AF65-F5344CB8AC3E}">
-        <p14:creationId xmlns:p14="http://schemas.microsoft.com/office/powerpoint/2010/main" val="841355781"/>
+        <p14:creationId xmlns:p14="http://schemas.microsoft.com/office/powerpoint/2010/main" xmlns="" val="841355781"/>
       </p:ext>
     </p:extLst>
   </p:cSld>
@@ -1721,7 +1735,8 @@
           <a:p>
             <a:fld id="{D416B234-FC43-3641-B805-7771F292827F}" type="datetimeFigureOut">
               <a:rPr lang="en-US" smtClean="0"/>
-              <a:t>8/2/17</a:t>
+              <a:pPr/>
+              <a:t>8/9/2017</a:t>
             </a:fld>
             <a:endParaRPr lang="en-US"/>
           </a:p>
@@ -1763,6 +1778,7 @@
           <a:p>
             <a:fld id="{1C688E79-7560-8749-BC98-83A820CCD3F8}" type="slidenum">
               <a:rPr lang="en-US" smtClean="0"/>
+              <a:pPr/>
               <a:t>‹#›</a:t>
             </a:fld>
             <a:endParaRPr lang="en-US"/>
@@ -1772,7 +1788,7 @@
     </p:spTree>
     <p:extLst>
       <p:ext uri="{BB962C8B-B14F-4D97-AF65-F5344CB8AC3E}">
-        <p14:creationId xmlns:p14="http://schemas.microsoft.com/office/powerpoint/2010/main" val="1634279419"/>
+        <p14:creationId xmlns:p14="http://schemas.microsoft.com/office/powerpoint/2010/main" xmlns="" val="1634279419"/>
       </p:ext>
     </p:extLst>
   </p:cSld>
@@ -1816,7 +1832,8 @@
           <a:p>
             <a:fld id="{D416B234-FC43-3641-B805-7771F292827F}" type="datetimeFigureOut">
               <a:rPr lang="en-US" smtClean="0"/>
-              <a:t>8/2/17</a:t>
+              <a:pPr/>
+              <a:t>8/9/2017</a:t>
             </a:fld>
             <a:endParaRPr lang="en-US"/>
           </a:p>
@@ -1858,6 +1875,7 @@
           <a:p>
             <a:fld id="{1C688E79-7560-8749-BC98-83A820CCD3F8}" type="slidenum">
               <a:rPr lang="en-US" smtClean="0"/>
+              <a:pPr/>
               <a:t>‹#›</a:t>
             </a:fld>
             <a:endParaRPr lang="en-US"/>
@@ -1867,7 +1885,7 @@
     </p:spTree>
     <p:extLst>
       <p:ext uri="{BB962C8B-B14F-4D97-AF65-F5344CB8AC3E}">
-        <p14:creationId xmlns:p14="http://schemas.microsoft.com/office/powerpoint/2010/main" val="1018350003"/>
+        <p14:creationId xmlns:p14="http://schemas.microsoft.com/office/powerpoint/2010/main" xmlns="" val="1018350003"/>
       </p:ext>
     </p:extLst>
   </p:cSld>
@@ -2093,7 +2111,8 @@
           <a:p>
             <a:fld id="{D416B234-FC43-3641-B805-7771F292827F}" type="datetimeFigureOut">
               <a:rPr lang="en-US" smtClean="0"/>
-              <a:t>8/2/17</a:t>
+              <a:pPr/>
+              <a:t>8/9/2017</a:t>
             </a:fld>
             <a:endParaRPr lang="en-US"/>
           </a:p>
@@ -2135,6 +2154,7 @@
           <a:p>
             <a:fld id="{1C688E79-7560-8749-BC98-83A820CCD3F8}" type="slidenum">
               <a:rPr lang="en-US" smtClean="0"/>
+              <a:pPr/>
               <a:t>‹#›</a:t>
             </a:fld>
             <a:endParaRPr lang="en-US"/>
@@ -2144,7 +2164,7 @@
     </p:spTree>
     <p:extLst>
       <p:ext uri="{BB962C8B-B14F-4D97-AF65-F5344CB8AC3E}">
-        <p14:creationId xmlns:p14="http://schemas.microsoft.com/office/powerpoint/2010/main" val="2111317478"/>
+        <p14:creationId xmlns:p14="http://schemas.microsoft.com/office/powerpoint/2010/main" xmlns="" val="2111317478"/>
       </p:ext>
     </p:extLst>
   </p:cSld>
@@ -2346,7 +2366,8 @@
           <a:p>
             <a:fld id="{D416B234-FC43-3641-B805-7771F292827F}" type="datetimeFigureOut">
               <a:rPr lang="en-US" smtClean="0"/>
-              <a:t>8/2/17</a:t>
+              <a:pPr/>
+              <a:t>8/9/2017</a:t>
             </a:fld>
             <a:endParaRPr lang="en-US"/>
           </a:p>
@@ -2388,6 +2409,7 @@
           <a:p>
             <a:fld id="{1C688E79-7560-8749-BC98-83A820CCD3F8}" type="slidenum">
               <a:rPr lang="en-US" smtClean="0"/>
+              <a:pPr/>
               <a:t>‹#›</a:t>
             </a:fld>
             <a:endParaRPr lang="en-US"/>
@@ -2397,7 +2419,7 @@
     </p:spTree>
     <p:extLst>
       <p:ext uri="{BB962C8B-B14F-4D97-AF65-F5344CB8AC3E}">
-        <p14:creationId xmlns:p14="http://schemas.microsoft.com/office/powerpoint/2010/main" val="2040553365"/>
+        <p14:creationId xmlns:p14="http://schemas.microsoft.com/office/powerpoint/2010/main" xmlns="" val="2040553365"/>
       </p:ext>
     </p:extLst>
   </p:cSld>
@@ -2559,7 +2581,8 @@
           <a:p>
             <a:fld id="{D416B234-FC43-3641-B805-7771F292827F}" type="datetimeFigureOut">
               <a:rPr lang="en-US" smtClean="0"/>
-              <a:t>8/2/17</a:t>
+              <a:pPr/>
+              <a:t>8/9/2017</a:t>
             </a:fld>
             <a:endParaRPr lang="en-US"/>
           </a:p>
@@ -2637,6 +2660,7 @@
           <a:p>
             <a:fld id="{1C688E79-7560-8749-BC98-83A820CCD3F8}" type="slidenum">
               <a:rPr lang="en-US" smtClean="0"/>
+              <a:pPr/>
               <a:t>‹#›</a:t>
             </a:fld>
             <a:endParaRPr lang="en-US"/>
@@ -2646,7 +2670,7 @@
     </p:spTree>
     <p:extLst>
       <p:ext uri="{BB962C8B-B14F-4D97-AF65-F5344CB8AC3E}">
-        <p14:creationId xmlns:p14="http://schemas.microsoft.com/office/powerpoint/2010/main" val="989665580"/>
+        <p14:creationId xmlns:p14="http://schemas.microsoft.com/office/powerpoint/2010/main" xmlns="" val="989665580"/>
       </p:ext>
     </p:extLst>
   </p:cSld>
@@ -4016,10 +4040,49 @@
           </a:p>
         </p:txBody>
       </p:sp>
+      <p:cxnSp>
+        <p:nvCxnSpPr>
+          <p:cNvPr id="29" name="Shape 28"/>
+          <p:cNvCxnSpPr>
+            <a:stCxn id="14" idx="3"/>
+            <a:endCxn id="23" idx="0"/>
+          </p:cNvCxnSpPr>
+          <p:nvPr/>
+        </p:nvCxnSpPr>
+        <p:spPr>
+          <a:xfrm>
+            <a:off x="3614297" y="1646749"/>
+            <a:ext cx="2741821" cy="2526112"/>
+          </a:xfrm>
+          <a:prstGeom prst="bentConnector2">
+            <a:avLst/>
+          </a:prstGeom>
+          <a:ln w="31750">
+            <a:solidFill>
+              <a:schemeClr val="tx1"/>
+            </a:solidFill>
+            <a:tailEnd type="arrow"/>
+          </a:ln>
+        </p:spPr>
+        <p:style>
+          <a:lnRef idx="1">
+            <a:schemeClr val="accent1"/>
+          </a:lnRef>
+          <a:fillRef idx="0">
+            <a:schemeClr val="accent1"/>
+          </a:fillRef>
+          <a:effectRef idx="0">
+            <a:schemeClr val="accent1"/>
+          </a:effectRef>
+          <a:fontRef idx="minor">
+            <a:schemeClr val="tx1"/>
+          </a:fontRef>
+        </p:style>
+      </p:cxnSp>
     </p:spTree>
     <p:extLst>
       <p:ext uri="{BB962C8B-B14F-4D97-AF65-F5344CB8AC3E}">
-        <p14:creationId xmlns:p14="http://schemas.microsoft.com/office/powerpoint/2010/main" val="847448033"/>
+        <p14:creationId xmlns:p14="http://schemas.microsoft.com/office/powerpoint/2010/main" xmlns="" val="847448033"/>
       </p:ext>
     </p:extLst>
   </p:cSld>
@@ -4072,7 +4135,7 @@
     </a:clrScheme>
     <a:fontScheme name="Office">
       <a:majorFont>
-        <a:latin typeface="Calibri Light" panose="020F0302020204030204"/>
+        <a:latin typeface="Calibri Light"/>
         <a:ea typeface=""/>
         <a:cs typeface=""/>
         <a:font script="Jpan" typeface="Yu Gothic Light"/>
@@ -4107,7 +4170,7 @@
         <a:font script="Geor" typeface="Sylfaen"/>
       </a:majorFont>
       <a:minorFont>
-        <a:latin typeface="Calibri" panose="020F0502020204030204"/>
+        <a:latin typeface="Calibri"/>
         <a:ea typeface=""/>
         <a:cs typeface=""/>
         <a:font script="Jpan" typeface="Yu Gothic"/>
@@ -4284,7 +4347,7 @@
   <a:extraClrSchemeLst/>
   <a:extLst>
     <a:ext uri="{05A4C25C-085E-4340-85A3-A5531E510DB2}">
-      <thm15:themeFamily xmlns:thm15="http://schemas.microsoft.com/office/thememl/2012/main" name="Office Theme" id="{62F939B6-93AF-4DB8-9C6B-D6C7DFDC589F}" vid="{4A3C46E8-61CC-4603-A589-7422A47A8E4A}"/>
+      <thm15:themeFamily xmlns:thm15="http://schemas.microsoft.com/office/thememl/2012/main" xmlns="" name="Office Theme" id="{62F939B6-93AF-4DB8-9C6B-D6C7DFDC589F}" vid="{4A3C46E8-61CC-4603-A589-7422A47A8E4A}"/>
     </a:ext>
   </a:extLst>
 </a:theme>

--- a/meeting-notes/Appointment state diagram.pptx
+++ b/meeting-notes/Appointment state diagram.pptx
@@ -104,6 +104,22 @@
       </a:defRPr>
     </a:lvl9pPr>
   </p:defaultTextStyle>
+  <p:extLst>
+    <p:ext uri="{EFAFB233-063F-42B5-8137-9DF3F51BA10A}">
+      <p15:sldGuideLst xmlns:p15="http://schemas.microsoft.com/office/powerpoint/2012/main">
+        <p15:guide id="1" orient="horz" pos="2160">
+          <p15:clr>
+            <a:srgbClr val="A4A3A4"/>
+          </p15:clr>
+        </p15:guide>
+        <p15:guide id="2" pos="3840">
+          <p15:clr>
+            <a:srgbClr val="A4A3A4"/>
+          </p15:clr>
+        </p15:guide>
+      </p15:sldGuideLst>
+    </p:ext>
+  </p:extLst>
 </p:presentation>
 </file>
 
@@ -239,7 +255,7 @@
             <a:fld id="{D416B234-FC43-3641-B805-7771F292827F}" type="datetimeFigureOut">
               <a:rPr lang="en-US" smtClean="0"/>
               <a:pPr/>
-              <a:t>8/9/2017</a:t>
+              <a:t>8/10/17</a:t>
             </a:fld>
             <a:endParaRPr lang="en-US"/>
           </a:p>
@@ -291,7 +307,7 @@
     </p:spTree>
     <p:extLst>
       <p:ext uri="{BB962C8B-B14F-4D97-AF65-F5344CB8AC3E}">
-        <p14:creationId xmlns:p14="http://schemas.microsoft.com/office/powerpoint/2010/main" xmlns="" val="1048557045"/>
+        <p14:creationId xmlns:p14="http://schemas.microsoft.com/office/powerpoint/2010/main" val="1048557045"/>
       </p:ext>
     </p:extLst>
   </p:cSld>
@@ -411,7 +427,7 @@
             <a:fld id="{D416B234-FC43-3641-B805-7771F292827F}" type="datetimeFigureOut">
               <a:rPr lang="en-US" smtClean="0"/>
               <a:pPr/>
-              <a:t>8/9/2017</a:t>
+              <a:t>8/10/17</a:t>
             </a:fld>
             <a:endParaRPr lang="en-US"/>
           </a:p>
@@ -463,7 +479,7 @@
     </p:spTree>
     <p:extLst>
       <p:ext uri="{BB962C8B-B14F-4D97-AF65-F5344CB8AC3E}">
-        <p14:creationId xmlns:p14="http://schemas.microsoft.com/office/powerpoint/2010/main" xmlns="" val="266562965"/>
+        <p14:creationId xmlns:p14="http://schemas.microsoft.com/office/powerpoint/2010/main" val="266562965"/>
       </p:ext>
     </p:extLst>
   </p:cSld>
@@ -593,7 +609,7 @@
             <a:fld id="{D416B234-FC43-3641-B805-7771F292827F}" type="datetimeFigureOut">
               <a:rPr lang="en-US" smtClean="0"/>
               <a:pPr/>
-              <a:t>8/9/2017</a:t>
+              <a:t>8/10/17</a:t>
             </a:fld>
             <a:endParaRPr lang="en-US"/>
           </a:p>
@@ -645,7 +661,7 @@
     </p:spTree>
     <p:extLst>
       <p:ext uri="{BB962C8B-B14F-4D97-AF65-F5344CB8AC3E}">
-        <p14:creationId xmlns:p14="http://schemas.microsoft.com/office/powerpoint/2010/main" xmlns="" val="472865113"/>
+        <p14:creationId xmlns:p14="http://schemas.microsoft.com/office/powerpoint/2010/main" val="472865113"/>
       </p:ext>
     </p:extLst>
   </p:cSld>
@@ -765,7 +781,7 @@
             <a:fld id="{D416B234-FC43-3641-B805-7771F292827F}" type="datetimeFigureOut">
               <a:rPr lang="en-US" smtClean="0"/>
               <a:pPr/>
-              <a:t>8/9/2017</a:t>
+              <a:t>8/10/17</a:t>
             </a:fld>
             <a:endParaRPr lang="en-US"/>
           </a:p>
@@ -817,7 +833,7 @@
     </p:spTree>
     <p:extLst>
       <p:ext uri="{BB962C8B-B14F-4D97-AF65-F5344CB8AC3E}">
-        <p14:creationId xmlns:p14="http://schemas.microsoft.com/office/powerpoint/2010/main" xmlns="" val="1776177184"/>
+        <p14:creationId xmlns:p14="http://schemas.microsoft.com/office/powerpoint/2010/main" val="1776177184"/>
       </p:ext>
     </p:extLst>
   </p:cSld>
@@ -1013,7 +1029,7 @@
             <a:fld id="{D416B234-FC43-3641-B805-7771F292827F}" type="datetimeFigureOut">
               <a:rPr lang="en-US" smtClean="0"/>
               <a:pPr/>
-              <a:t>8/9/2017</a:t>
+              <a:t>8/10/17</a:t>
             </a:fld>
             <a:endParaRPr lang="en-US"/>
           </a:p>
@@ -1065,7 +1081,7 @@
     </p:spTree>
     <p:extLst>
       <p:ext uri="{BB962C8B-B14F-4D97-AF65-F5344CB8AC3E}">
-        <p14:creationId xmlns:p14="http://schemas.microsoft.com/office/powerpoint/2010/main" xmlns="" val="39754541"/>
+        <p14:creationId xmlns:p14="http://schemas.microsoft.com/office/powerpoint/2010/main" val="39754541"/>
       </p:ext>
     </p:extLst>
   </p:cSld>
@@ -1247,7 +1263,7 @@
             <a:fld id="{D416B234-FC43-3641-B805-7771F292827F}" type="datetimeFigureOut">
               <a:rPr lang="en-US" smtClean="0"/>
               <a:pPr/>
-              <a:t>8/9/2017</a:t>
+              <a:t>8/10/17</a:t>
             </a:fld>
             <a:endParaRPr lang="en-US"/>
           </a:p>
@@ -1299,7 +1315,7 @@
     </p:spTree>
     <p:extLst>
       <p:ext uri="{BB962C8B-B14F-4D97-AF65-F5344CB8AC3E}">
-        <p14:creationId xmlns:p14="http://schemas.microsoft.com/office/powerpoint/2010/main" xmlns="" val="287156370"/>
+        <p14:creationId xmlns:p14="http://schemas.microsoft.com/office/powerpoint/2010/main" val="287156370"/>
       </p:ext>
     </p:extLst>
   </p:cSld>
@@ -1616,7 +1632,7 @@
             <a:fld id="{D416B234-FC43-3641-B805-7771F292827F}" type="datetimeFigureOut">
               <a:rPr lang="en-US" smtClean="0"/>
               <a:pPr/>
-              <a:t>8/9/2017</a:t>
+              <a:t>8/10/17</a:t>
             </a:fld>
             <a:endParaRPr lang="en-US"/>
           </a:p>
@@ -1668,7 +1684,7 @@
     </p:spTree>
     <p:extLst>
       <p:ext uri="{BB962C8B-B14F-4D97-AF65-F5344CB8AC3E}">
-        <p14:creationId xmlns:p14="http://schemas.microsoft.com/office/powerpoint/2010/main" xmlns="" val="841355781"/>
+        <p14:creationId xmlns:p14="http://schemas.microsoft.com/office/powerpoint/2010/main" val="841355781"/>
       </p:ext>
     </p:extLst>
   </p:cSld>
@@ -1736,7 +1752,7 @@
             <a:fld id="{D416B234-FC43-3641-B805-7771F292827F}" type="datetimeFigureOut">
               <a:rPr lang="en-US" smtClean="0"/>
               <a:pPr/>
-              <a:t>8/9/2017</a:t>
+              <a:t>8/10/17</a:t>
             </a:fld>
             <a:endParaRPr lang="en-US"/>
           </a:p>
@@ -1788,7 +1804,7 @@
     </p:spTree>
     <p:extLst>
       <p:ext uri="{BB962C8B-B14F-4D97-AF65-F5344CB8AC3E}">
-        <p14:creationId xmlns:p14="http://schemas.microsoft.com/office/powerpoint/2010/main" xmlns="" val="1634279419"/>
+        <p14:creationId xmlns:p14="http://schemas.microsoft.com/office/powerpoint/2010/main" val="1634279419"/>
       </p:ext>
     </p:extLst>
   </p:cSld>
@@ -1833,7 +1849,7 @@
             <a:fld id="{D416B234-FC43-3641-B805-7771F292827F}" type="datetimeFigureOut">
               <a:rPr lang="en-US" smtClean="0"/>
               <a:pPr/>
-              <a:t>8/9/2017</a:t>
+              <a:t>8/10/17</a:t>
             </a:fld>
             <a:endParaRPr lang="en-US"/>
           </a:p>
@@ -1885,7 +1901,7 @@
     </p:spTree>
     <p:extLst>
       <p:ext uri="{BB962C8B-B14F-4D97-AF65-F5344CB8AC3E}">
-        <p14:creationId xmlns:p14="http://schemas.microsoft.com/office/powerpoint/2010/main" xmlns="" val="1018350003"/>
+        <p14:creationId xmlns:p14="http://schemas.microsoft.com/office/powerpoint/2010/main" val="1018350003"/>
       </p:ext>
     </p:extLst>
   </p:cSld>
@@ -2112,7 +2128,7 @@
             <a:fld id="{D416B234-FC43-3641-B805-7771F292827F}" type="datetimeFigureOut">
               <a:rPr lang="en-US" smtClean="0"/>
               <a:pPr/>
-              <a:t>8/9/2017</a:t>
+              <a:t>8/10/17</a:t>
             </a:fld>
             <a:endParaRPr lang="en-US"/>
           </a:p>
@@ -2164,7 +2180,7 @@
     </p:spTree>
     <p:extLst>
       <p:ext uri="{BB962C8B-B14F-4D97-AF65-F5344CB8AC3E}">
-        <p14:creationId xmlns:p14="http://schemas.microsoft.com/office/powerpoint/2010/main" xmlns="" val="2111317478"/>
+        <p14:creationId xmlns:p14="http://schemas.microsoft.com/office/powerpoint/2010/main" val="2111317478"/>
       </p:ext>
     </p:extLst>
   </p:cSld>
@@ -2367,7 +2383,7 @@
             <a:fld id="{D416B234-FC43-3641-B805-7771F292827F}" type="datetimeFigureOut">
               <a:rPr lang="en-US" smtClean="0"/>
               <a:pPr/>
-              <a:t>8/9/2017</a:t>
+              <a:t>8/10/17</a:t>
             </a:fld>
             <a:endParaRPr lang="en-US"/>
           </a:p>
@@ -2419,7 +2435,7 @@
     </p:spTree>
     <p:extLst>
       <p:ext uri="{BB962C8B-B14F-4D97-AF65-F5344CB8AC3E}">
-        <p14:creationId xmlns:p14="http://schemas.microsoft.com/office/powerpoint/2010/main" xmlns="" val="2040553365"/>
+        <p14:creationId xmlns:p14="http://schemas.microsoft.com/office/powerpoint/2010/main" val="2040553365"/>
       </p:ext>
     </p:extLst>
   </p:cSld>
@@ -2582,7 +2598,7 @@
             <a:fld id="{D416B234-FC43-3641-B805-7771F292827F}" type="datetimeFigureOut">
               <a:rPr lang="en-US" smtClean="0"/>
               <a:pPr/>
-              <a:t>8/9/2017</a:t>
+              <a:t>8/10/17</a:t>
             </a:fld>
             <a:endParaRPr lang="en-US"/>
           </a:p>
@@ -2670,7 +2686,7 @@
     </p:spTree>
     <p:extLst>
       <p:ext uri="{BB962C8B-B14F-4D97-AF65-F5344CB8AC3E}">
-        <p14:creationId xmlns:p14="http://schemas.microsoft.com/office/powerpoint/2010/main" xmlns="" val="989665580"/>
+        <p14:creationId xmlns:p14="http://schemas.microsoft.com/office/powerpoint/2010/main" val="989665580"/>
       </p:ext>
     </p:extLst>
   </p:cSld>
@@ -3267,13 +3283,13 @@
         </p:spPr>
         <p:style>
           <a:lnRef idx="1">
-            <a:schemeClr val="accent3"/>
+            <a:schemeClr val="accent5"/>
           </a:lnRef>
           <a:fillRef idx="2">
-            <a:schemeClr val="accent3"/>
+            <a:schemeClr val="accent5"/>
           </a:fillRef>
           <a:effectRef idx="1">
-            <a:schemeClr val="accent3"/>
+            <a:schemeClr val="accent5"/>
           </a:effectRef>
           <a:fontRef idx="minor">
             <a:schemeClr val="dk1"/>
@@ -3309,13 +3325,13 @@
         </p:spPr>
         <p:style>
           <a:lnRef idx="1">
-            <a:schemeClr val="accent3"/>
+            <a:schemeClr val="accent6"/>
           </a:lnRef>
           <a:fillRef idx="2">
-            <a:schemeClr val="accent3"/>
+            <a:schemeClr val="accent6"/>
           </a:fillRef>
           <a:effectRef idx="1">
-            <a:schemeClr val="accent3"/>
+            <a:schemeClr val="accent6"/>
           </a:effectRef>
           <a:fontRef idx="minor">
             <a:schemeClr val="dk1"/>
@@ -3351,13 +3367,13 @@
         </p:spPr>
         <p:style>
           <a:lnRef idx="1">
-            <a:schemeClr val="accent3"/>
+            <a:schemeClr val="accent6"/>
           </a:lnRef>
           <a:fillRef idx="2">
-            <a:schemeClr val="accent3"/>
+            <a:schemeClr val="accent6"/>
           </a:fillRef>
           <a:effectRef idx="1">
-            <a:schemeClr val="accent3"/>
+            <a:schemeClr val="accent6"/>
           </a:effectRef>
           <a:fontRef idx="minor">
             <a:schemeClr val="dk1"/>
@@ -3393,13 +3409,13 @@
         </p:spPr>
         <p:style>
           <a:lnRef idx="1">
-            <a:schemeClr val="accent3"/>
+            <a:schemeClr val="accent6"/>
           </a:lnRef>
           <a:fillRef idx="2">
-            <a:schemeClr val="accent3"/>
+            <a:schemeClr val="accent6"/>
           </a:fillRef>
           <a:effectRef idx="1">
-            <a:schemeClr val="accent3"/>
+            <a:schemeClr val="accent6"/>
           </a:effectRef>
           <a:fontRef idx="minor">
             <a:schemeClr val="dk1"/>
@@ -3435,13 +3451,13 @@
         </p:spPr>
         <p:style>
           <a:lnRef idx="1">
-            <a:schemeClr val="accent3"/>
+            <a:schemeClr val="accent2"/>
           </a:lnRef>
           <a:fillRef idx="2">
-            <a:schemeClr val="accent3"/>
+            <a:schemeClr val="accent2"/>
           </a:fillRef>
           <a:effectRef idx="1">
-            <a:schemeClr val="accent3"/>
+            <a:schemeClr val="accent2"/>
           </a:effectRef>
           <a:fontRef idx="minor">
             <a:schemeClr val="dk1"/>
@@ -3477,13 +3493,13 @@
         </p:spPr>
         <p:style>
           <a:lnRef idx="1">
-            <a:schemeClr val="accent3"/>
+            <a:schemeClr val="accent2"/>
           </a:lnRef>
           <a:fillRef idx="2">
-            <a:schemeClr val="accent3"/>
+            <a:schemeClr val="accent2"/>
           </a:fillRef>
           <a:effectRef idx="1">
-            <a:schemeClr val="accent3"/>
+            <a:schemeClr val="accent2"/>
           </a:effectRef>
           <a:fontRef idx="minor">
             <a:schemeClr val="dk1"/>
@@ -4082,7 +4098,7 @@
     </p:spTree>
     <p:extLst>
       <p:ext uri="{BB962C8B-B14F-4D97-AF65-F5344CB8AC3E}">
-        <p14:creationId xmlns:p14="http://schemas.microsoft.com/office/powerpoint/2010/main" xmlns="" val="847448033"/>
+        <p14:creationId xmlns:p14="http://schemas.microsoft.com/office/powerpoint/2010/main" val="847448033"/>
       </p:ext>
     </p:extLst>
   </p:cSld>
@@ -4347,7 +4363,7 @@
   <a:extraClrSchemeLst/>
   <a:extLst>
     <a:ext uri="{05A4C25C-085E-4340-85A3-A5531E510DB2}">
-      <thm15:themeFamily xmlns:thm15="http://schemas.microsoft.com/office/thememl/2012/main" xmlns="" name="Office Theme" id="{62F939B6-93AF-4DB8-9C6B-D6C7DFDC589F}" vid="{4A3C46E8-61CC-4603-A589-7422A47A8E4A}"/>
+      <thm15:themeFamily xmlns:thm15="http://schemas.microsoft.com/office/thememl/2012/main" name="Office Theme" id="{62F939B6-93AF-4DB8-9C6B-D6C7DFDC589F}" vid="{4A3C46E8-61CC-4603-A589-7422A47A8E4A}"/>
     </a:ext>
   </a:extLst>
 </a:theme>

--- a/meeting-notes/Appointment state diagram.pptx
+++ b/meeting-notes/Appointment state diagram.pptx
@@ -255,7 +255,7 @@
             <a:fld id="{D416B234-FC43-3641-B805-7771F292827F}" type="datetimeFigureOut">
               <a:rPr lang="en-US" smtClean="0"/>
               <a:pPr/>
-              <a:t>8/10/17</a:t>
+              <a:t>8/12/17</a:t>
             </a:fld>
             <a:endParaRPr lang="en-US"/>
           </a:p>
@@ -427,7 +427,7 @@
             <a:fld id="{D416B234-FC43-3641-B805-7771F292827F}" type="datetimeFigureOut">
               <a:rPr lang="en-US" smtClean="0"/>
               <a:pPr/>
-              <a:t>8/10/17</a:t>
+              <a:t>8/12/17</a:t>
             </a:fld>
             <a:endParaRPr lang="en-US"/>
           </a:p>
@@ -609,7 +609,7 @@
             <a:fld id="{D416B234-FC43-3641-B805-7771F292827F}" type="datetimeFigureOut">
               <a:rPr lang="en-US" smtClean="0"/>
               <a:pPr/>
-              <a:t>8/10/17</a:t>
+              <a:t>8/12/17</a:t>
             </a:fld>
             <a:endParaRPr lang="en-US"/>
           </a:p>
@@ -781,7 +781,7 @@
             <a:fld id="{D416B234-FC43-3641-B805-7771F292827F}" type="datetimeFigureOut">
               <a:rPr lang="en-US" smtClean="0"/>
               <a:pPr/>
-              <a:t>8/10/17</a:t>
+              <a:t>8/12/17</a:t>
             </a:fld>
             <a:endParaRPr lang="en-US"/>
           </a:p>
@@ -1029,7 +1029,7 @@
             <a:fld id="{D416B234-FC43-3641-B805-7771F292827F}" type="datetimeFigureOut">
               <a:rPr lang="en-US" smtClean="0"/>
               <a:pPr/>
-              <a:t>8/10/17</a:t>
+              <a:t>8/12/17</a:t>
             </a:fld>
             <a:endParaRPr lang="en-US"/>
           </a:p>
@@ -1263,7 +1263,7 @@
             <a:fld id="{D416B234-FC43-3641-B805-7771F292827F}" type="datetimeFigureOut">
               <a:rPr lang="en-US" smtClean="0"/>
               <a:pPr/>
-              <a:t>8/10/17</a:t>
+              <a:t>8/12/17</a:t>
             </a:fld>
             <a:endParaRPr lang="en-US"/>
           </a:p>
@@ -1632,7 +1632,7 @@
             <a:fld id="{D416B234-FC43-3641-B805-7771F292827F}" type="datetimeFigureOut">
               <a:rPr lang="en-US" smtClean="0"/>
               <a:pPr/>
-              <a:t>8/10/17</a:t>
+              <a:t>8/12/17</a:t>
             </a:fld>
             <a:endParaRPr lang="en-US"/>
           </a:p>
@@ -1752,7 +1752,7 @@
             <a:fld id="{D416B234-FC43-3641-B805-7771F292827F}" type="datetimeFigureOut">
               <a:rPr lang="en-US" smtClean="0"/>
               <a:pPr/>
-              <a:t>8/10/17</a:t>
+              <a:t>8/12/17</a:t>
             </a:fld>
             <a:endParaRPr lang="en-US"/>
           </a:p>
@@ -1849,7 +1849,7 @@
             <a:fld id="{D416B234-FC43-3641-B805-7771F292827F}" type="datetimeFigureOut">
               <a:rPr lang="en-US" smtClean="0"/>
               <a:pPr/>
-              <a:t>8/10/17</a:t>
+              <a:t>8/12/17</a:t>
             </a:fld>
             <a:endParaRPr lang="en-US"/>
           </a:p>
@@ -2128,7 +2128,7 @@
             <a:fld id="{D416B234-FC43-3641-B805-7771F292827F}" type="datetimeFigureOut">
               <a:rPr lang="en-US" smtClean="0"/>
               <a:pPr/>
-              <a:t>8/10/17</a:t>
+              <a:t>8/12/17</a:t>
             </a:fld>
             <a:endParaRPr lang="en-US"/>
           </a:p>
@@ -2383,7 +2383,7 @@
             <a:fld id="{D416B234-FC43-3641-B805-7771F292827F}" type="datetimeFigureOut">
               <a:rPr lang="en-US" smtClean="0"/>
               <a:pPr/>
-              <a:t>8/10/17</a:t>
+              <a:t>8/12/17</a:t>
             </a:fld>
             <a:endParaRPr lang="en-US"/>
           </a:p>
@@ -2598,7 +2598,7 @@
             <a:fld id="{D416B234-FC43-3641-B805-7771F292827F}" type="datetimeFigureOut">
               <a:rPr lang="en-US" smtClean="0"/>
               <a:pPr/>
-              <a:t>8/10/17</a:t>
+              <a:t>8/12/17</a:t>
             </a:fld>
             <a:endParaRPr lang="en-US"/>
           </a:p>
@@ -3020,7 +3020,7 @@
         </p:nvSpPr>
         <p:spPr>
           <a:xfrm>
-            <a:off x="2858103" y="447082"/>
+            <a:off x="4362299" y="276275"/>
             <a:ext cx="225910" cy="225911"/>
           </a:xfrm>
           <a:prstGeom prst="ellipse">
@@ -3063,7 +3063,7 @@
         </p:nvSpPr>
         <p:spPr>
           <a:xfrm>
-            <a:off x="4418703" y="6222191"/>
+            <a:off x="4362299" y="6222191"/>
             <a:ext cx="225910" cy="225911"/>
           </a:xfrm>
           <a:prstGeom prst="ellipse">
@@ -3107,8 +3107,8 @@
         </p:nvSpPr>
         <p:spPr>
           <a:xfrm>
-            <a:off x="1276775" y="1062318"/>
-            <a:ext cx="6194965" cy="4733365"/>
+            <a:off x="1268766" y="921621"/>
+            <a:ext cx="6194965" cy="5076551"/>
           </a:xfrm>
           <a:prstGeom prst="rect">
             <a:avLst/>
@@ -3154,7 +3154,7 @@
         </p:nvSpPr>
         <p:spPr>
           <a:xfrm>
-            <a:off x="8571345" y="3159040"/>
+            <a:off x="8571345" y="3189936"/>
             <a:ext cx="1286477" cy="539920"/>
           </a:xfrm>
           <a:prstGeom prst="roundRect">
@@ -3196,7 +3196,7 @@
         </p:nvSpPr>
         <p:spPr>
           <a:xfrm>
-            <a:off x="2327820" y="1376789"/>
+            <a:off x="3832016" y="1152185"/>
             <a:ext cx="1286477" cy="539920"/>
           </a:xfrm>
           <a:prstGeom prst="roundRect">
@@ -3241,8 +3241,8 @@
         </p:nvCxnSpPr>
         <p:spPr>
           <a:xfrm flipV="1">
-            <a:off x="7471740" y="3429000"/>
-            <a:ext cx="1099605" cy="1"/>
+            <a:off x="7463731" y="3459896"/>
+            <a:ext cx="1107614" cy="1"/>
           </a:xfrm>
           <a:prstGeom prst="straightConnector1">
             <a:avLst/>
@@ -3274,7 +3274,7 @@
         </p:nvSpPr>
         <p:spPr>
           <a:xfrm>
-            <a:off x="2327820" y="2284691"/>
+            <a:off x="3832016" y="2077526"/>
             <a:ext cx="1286477" cy="539920"/>
           </a:xfrm>
           <a:prstGeom prst="roundRect">
@@ -3316,7 +3316,7 @@
         </p:nvSpPr>
         <p:spPr>
           <a:xfrm>
-            <a:off x="2327820" y="3266870"/>
+            <a:off x="3832016" y="3022386"/>
             <a:ext cx="1286477" cy="539920"/>
           </a:xfrm>
           <a:prstGeom prst="roundRect">
@@ -3358,7 +3358,7 @@
         </p:nvSpPr>
         <p:spPr>
           <a:xfrm>
-            <a:off x="1446155" y="4154849"/>
+            <a:off x="3832016" y="4032285"/>
             <a:ext cx="1286477" cy="575945"/>
           </a:xfrm>
           <a:prstGeom prst="roundRect">
@@ -3400,7 +3400,7 @@
         </p:nvSpPr>
         <p:spPr>
           <a:xfrm>
-            <a:off x="1446155" y="5013574"/>
+            <a:off x="3832016" y="4906923"/>
             <a:ext cx="1286477" cy="539920"/>
           </a:xfrm>
           <a:prstGeom prst="roundRect">
@@ -3442,7 +3442,7 @@
         </p:nvSpPr>
         <p:spPr>
           <a:xfrm>
-            <a:off x="4549369" y="3266870"/>
+            <a:off x="2000917" y="4050297"/>
             <a:ext cx="1286477" cy="539920"/>
           </a:xfrm>
           <a:prstGeom prst="roundRect">
@@ -3484,7 +3484,7 @@
         </p:nvSpPr>
         <p:spPr>
           <a:xfrm>
-            <a:off x="5712879" y="4172861"/>
+            <a:off x="5712879" y="4050297"/>
             <a:ext cx="1286477" cy="539920"/>
           </a:xfrm>
           <a:prstGeom prst="roundRect">
@@ -3529,8 +3529,8 @@
         </p:nvCxnSpPr>
         <p:spPr>
           <a:xfrm>
-            <a:off x="2971059" y="1916709"/>
-            <a:ext cx="0" cy="367982"/>
+            <a:off x="4475255" y="1692105"/>
+            <a:ext cx="0" cy="385421"/>
           </a:xfrm>
           <a:prstGeom prst="straightConnector1">
             <a:avLst/>
@@ -3565,8 +3565,8 @@
         </p:nvCxnSpPr>
         <p:spPr>
           <a:xfrm>
-            <a:off x="2971059" y="2824611"/>
-            <a:ext cx="0" cy="442259"/>
+            <a:off x="4475255" y="2617446"/>
+            <a:ext cx="0" cy="404940"/>
           </a:xfrm>
           <a:prstGeom prst="straightConnector1">
             <a:avLst/>
@@ -3601,50 +3601,13 @@
         </p:nvCxnSpPr>
         <p:spPr>
           <a:xfrm>
-            <a:off x="2089394" y="4730794"/>
-            <a:ext cx="0" cy="282780"/>
+            <a:off x="4475255" y="4608230"/>
+            <a:ext cx="0" cy="298693"/>
           </a:xfrm>
           <a:prstGeom prst="straightConnector1">
             <a:avLst/>
           </a:prstGeom>
           <a:ln w="31750">
-            <a:tailEnd type="stealth" w="lg" len="lg"/>
-          </a:ln>
-        </p:spPr>
-        <p:style>
-          <a:lnRef idx="3">
-            <a:schemeClr val="dk1"/>
-          </a:lnRef>
-          <a:fillRef idx="0">
-            <a:schemeClr val="dk1"/>
-          </a:fillRef>
-          <a:effectRef idx="2">
-            <a:schemeClr val="dk1"/>
-          </a:effectRef>
-          <a:fontRef idx="minor">
-            <a:schemeClr val="tx1"/>
-          </a:fontRef>
-        </p:style>
-      </p:cxnSp>
-      <p:cxnSp>
-        <p:nvCxnSpPr>
-          <p:cNvPr id="38" name="Straight Arrow Connector 37"/>
-          <p:cNvCxnSpPr>
-            <a:stCxn id="19" idx="3"/>
-            <a:endCxn id="22" idx="1"/>
-          </p:cNvCxnSpPr>
-          <p:nvPr/>
-        </p:nvCxnSpPr>
-        <p:spPr>
-          <a:xfrm>
-            <a:off x="3614297" y="3536830"/>
-            <a:ext cx="935072" cy="0"/>
-          </a:xfrm>
-          <a:prstGeom prst="straightConnector1">
-            <a:avLst/>
-          </a:prstGeom>
-          <a:ln w="31750">
-            <a:headEnd type="stealth" w="lg" len="lg"/>
             <a:tailEnd type="stealth" w="lg" len="lg"/>
           </a:ln>
         </p:spPr>
@@ -3674,8 +3637,8 @@
         </p:nvCxnSpPr>
         <p:spPr>
           <a:xfrm>
-            <a:off x="3614297" y="2554651"/>
-            <a:ext cx="2741821" cy="1618210"/>
+            <a:off x="5118493" y="2347486"/>
+            <a:ext cx="1237625" cy="1702811"/>
           </a:xfrm>
           <a:prstGeom prst="bentConnector2">
             <a:avLst/>
@@ -3685,45 +3648,6 @@
               <a:schemeClr val="tx1"/>
             </a:solidFill>
             <a:tailEnd type="stealth" w="lg" len="lg"/>
-          </a:ln>
-        </p:spPr>
-        <p:style>
-          <a:lnRef idx="1">
-            <a:schemeClr val="accent1"/>
-          </a:lnRef>
-          <a:fillRef idx="0">
-            <a:schemeClr val="accent1"/>
-          </a:fillRef>
-          <a:effectRef idx="0">
-            <a:schemeClr val="accent1"/>
-          </a:effectRef>
-          <a:fontRef idx="minor">
-            <a:schemeClr val="tx1"/>
-          </a:fontRef>
-        </p:style>
-      </p:cxnSp>
-      <p:cxnSp>
-        <p:nvCxnSpPr>
-          <p:cNvPr id="66" name="Elbow Connector 65"/>
-          <p:cNvCxnSpPr>
-            <a:stCxn id="22" idx="3"/>
-            <a:endCxn id="23" idx="0"/>
-          </p:cNvCxnSpPr>
-          <p:nvPr/>
-        </p:nvCxnSpPr>
-        <p:spPr>
-          <a:xfrm>
-            <a:off x="5835846" y="3536830"/>
-            <a:ext cx="520272" cy="636031"/>
-          </a:xfrm>
-          <a:prstGeom prst="bentConnector2">
-            <a:avLst/>
-          </a:prstGeom>
-          <a:ln w="31750">
-            <a:solidFill>
-              <a:schemeClr val="tx1"/>
-            </a:solidFill>
-            <a:tailEnd type="triangle"/>
           </a:ln>
         </p:spPr>
         <p:style>
@@ -3744,27 +3668,24 @@
       <p:cxnSp>
         <p:nvCxnSpPr>
           <p:cNvPr id="68" name="Elbow Connector 67"/>
-          <p:cNvCxnSpPr>
-            <a:stCxn id="23" idx="2"/>
-            <a:endCxn id="5" idx="0"/>
-          </p:cNvCxnSpPr>
+          <p:cNvCxnSpPr/>
           <p:nvPr/>
         </p:nvCxnSpPr>
         <p:spPr>
           <a:xfrm rot="5400000">
-            <a:off x="4689183" y="4555256"/>
-            <a:ext cx="1509410" cy="1824460"/>
+            <a:off x="4610251" y="4440375"/>
+            <a:ext cx="1607900" cy="1883835"/>
           </a:xfrm>
           <a:prstGeom prst="bentConnector3">
             <a:avLst>
-              <a:gd name="adj1" fmla="val 37884"/>
+              <a:gd name="adj1" fmla="val 70680"/>
             </a:avLst>
           </a:prstGeom>
           <a:ln w="31750">
             <a:solidFill>
               <a:schemeClr val="tx1"/>
             </a:solidFill>
-            <a:tailEnd type="stealth" w="lg" len="lg"/>
+            <a:tailEnd type="none" w="lg" len="lg"/>
           </a:ln>
         </p:spPr>
         <p:style>
@@ -3793,8 +3714,8 @@
         </p:nvCxnSpPr>
         <p:spPr>
           <a:xfrm rot="5400000">
-            <a:off x="5611506" y="2732068"/>
-            <a:ext cx="2636187" cy="4569971"/>
+            <a:off x="5598752" y="2719314"/>
+            <a:ext cx="2605291" cy="4626375"/>
           </a:xfrm>
           <a:prstGeom prst="bentConnector2">
             <a:avLst/>
@@ -3832,8 +3753,8 @@
         </p:nvCxnSpPr>
         <p:spPr>
           <a:xfrm>
-            <a:off x="2971058" y="672993"/>
-            <a:ext cx="1" cy="703796"/>
+            <a:off x="4475254" y="502186"/>
+            <a:ext cx="1" cy="649999"/>
           </a:xfrm>
           <a:prstGeom prst="straightConnector1">
             <a:avLst/>
@@ -3868,8 +3789,8 @@
         </p:nvCxnSpPr>
         <p:spPr>
           <a:xfrm flipV="1">
-            <a:off x="2732632" y="4442821"/>
-            <a:ext cx="2980247" cy="1"/>
+            <a:off x="5118493" y="4320257"/>
+            <a:ext cx="594386" cy="1"/>
           </a:xfrm>
           <a:prstGeom prst="straightConnector1">
             <a:avLst/>
@@ -3895,17 +3816,104 @@
       </p:cxnSp>
       <p:cxnSp>
         <p:nvCxnSpPr>
-          <p:cNvPr id="88" name="Elbow Connector 87"/>
+          <p:cNvPr id="113" name="Elbow Connector 112"/>
           <p:cNvCxnSpPr>
-            <a:stCxn id="21" idx="3"/>
-            <a:endCxn id="5" idx="0"/>
+            <a:stCxn id="19" idx="2"/>
+            <a:endCxn id="20" idx="0"/>
           </p:cNvCxnSpPr>
           <p:nvPr/>
         </p:nvCxnSpPr>
         <p:spPr>
+          <a:xfrm rot="5400000">
+            <a:off x="4240266" y="3797295"/>
+            <a:ext cx="469979" cy="12700"/>
+          </a:xfrm>
+          <a:prstGeom prst="bentConnector3">
+            <a:avLst>
+              <a:gd name="adj1" fmla="val 50000"/>
+            </a:avLst>
+          </a:prstGeom>
+          <a:ln w="31750">
+            <a:solidFill>
+              <a:schemeClr val="tx1"/>
+            </a:solidFill>
+            <a:tailEnd type="stealth" w="lg" len="lg"/>
+          </a:ln>
+        </p:spPr>
+        <p:style>
+          <a:lnRef idx="1">
+            <a:schemeClr val="accent1"/>
+          </a:lnRef>
+          <a:fillRef idx="0">
+            <a:schemeClr val="accent1"/>
+          </a:fillRef>
+          <a:effectRef idx="0">
+            <a:schemeClr val="accent1"/>
+          </a:effectRef>
+          <a:fontRef idx="minor">
+            <a:schemeClr val="tx1"/>
+          </a:fontRef>
+        </p:style>
+      </p:cxnSp>
+      <p:sp>
+        <p:nvSpPr>
+          <p:cNvPr id="183" name="Oval 182"/>
+          <p:cNvSpPr/>
+          <p:nvPr/>
+        </p:nvSpPr>
+        <p:spPr>
           <a:xfrm>
-            <a:off x="2732632" y="5283534"/>
-            <a:ext cx="1799026" cy="938657"/>
+            <a:off x="4329791" y="6198117"/>
+            <a:ext cx="290926" cy="274058"/>
+          </a:xfrm>
+          <a:prstGeom prst="ellipse">
+            <a:avLst/>
+          </a:prstGeom>
+          <a:noFill/>
+          <a:ln>
+            <a:solidFill>
+              <a:schemeClr val="tx1"/>
+            </a:solidFill>
+          </a:ln>
+        </p:spPr>
+        <p:style>
+          <a:lnRef idx="2">
+            <a:schemeClr val="accent1">
+              <a:shade val="50000"/>
+            </a:schemeClr>
+          </a:lnRef>
+          <a:fillRef idx="1">
+            <a:schemeClr val="accent1"/>
+          </a:fillRef>
+          <a:effectRef idx="0">
+            <a:schemeClr val="accent1"/>
+          </a:effectRef>
+          <a:fontRef idx="minor">
+            <a:schemeClr val="lt1"/>
+          </a:fontRef>
+        </p:style>
+        <p:txBody>
+          <a:bodyPr rtlCol="0" anchor="ctr"/>
+          <a:lstStyle/>
+          <a:p>
+            <a:pPr algn="ctr"/>
+            <a:endParaRPr lang="en-US" dirty="0"/>
+          </a:p>
+        </p:txBody>
+      </p:sp>
+      <p:cxnSp>
+        <p:nvCxnSpPr>
+          <p:cNvPr id="29" name="Shape 28"/>
+          <p:cNvCxnSpPr>
+            <a:stCxn id="14" idx="3"/>
+            <a:endCxn id="23" idx="0"/>
+          </p:cNvCxnSpPr>
+          <p:nvPr/>
+        </p:nvCxnSpPr>
+        <p:spPr>
+          <a:xfrm>
+            <a:off x="5118493" y="1422145"/>
+            <a:ext cx="1237625" cy="2628152"/>
           </a:xfrm>
           <a:prstGeom prst="bentConnector2">
             <a:avLst/>
@@ -3914,7 +3922,7 @@
             <a:solidFill>
               <a:schemeClr val="tx1"/>
             </a:solidFill>
-            <a:tailEnd type="triangle"/>
+            <a:tailEnd type="arrow"/>
           </a:ln>
         </p:spPr>
         <p:style>
@@ -3934,17 +3942,17 @@
       </p:cxnSp>
       <p:cxnSp>
         <p:nvCxnSpPr>
-          <p:cNvPr id="113" name="Elbow Connector 112"/>
+          <p:cNvPr id="27" name="Elbow Connector 26"/>
           <p:cNvCxnSpPr>
             <a:stCxn id="19" idx="1"/>
-            <a:endCxn id="20" idx="0"/>
+            <a:endCxn id="22" idx="0"/>
           </p:cNvCxnSpPr>
           <p:nvPr/>
         </p:nvCxnSpPr>
         <p:spPr>
           <a:xfrm rot="10800000" flipV="1">
-            <a:off x="2089394" y="3536829"/>
-            <a:ext cx="238426" cy="618019"/>
+            <a:off x="2644156" y="3292345"/>
+            <a:ext cx="1187860" cy="757951"/>
           </a:xfrm>
           <a:prstGeom prst="bentConnector2">
             <a:avLst/>
@@ -3973,26 +3981,28 @@
       </p:cxnSp>
       <p:cxnSp>
         <p:nvCxnSpPr>
-          <p:cNvPr id="123" name="Elbow Connector 122"/>
+          <p:cNvPr id="31" name="Elbow Connector 30"/>
           <p:cNvCxnSpPr>
-            <a:stCxn id="19" idx="2"/>
-            <a:endCxn id="23" idx="1"/>
+            <a:stCxn id="22" idx="2"/>
+            <a:endCxn id="5" idx="0"/>
           </p:cNvCxnSpPr>
           <p:nvPr/>
         </p:nvCxnSpPr>
         <p:spPr>
           <a:xfrm rot="16200000" flipH="1">
-            <a:off x="4023954" y="2753895"/>
-            <a:ext cx="636031" cy="2741820"/>
-          </a:xfrm>
-          <a:prstGeom prst="bentConnector2">
-            <a:avLst/>
+            <a:off x="2743718" y="4490655"/>
+            <a:ext cx="1631974" cy="1831098"/>
+          </a:xfrm>
+          <a:prstGeom prst="bentConnector3">
+            <a:avLst>
+              <a:gd name="adj1" fmla="val 69196"/>
+            </a:avLst>
           </a:prstGeom>
           <a:ln w="31750">
             <a:solidFill>
               <a:schemeClr val="tx1"/>
             </a:solidFill>
-            <a:tailEnd type="triangle"/>
+            <a:tailEnd type="stealth" w="lg" len="lg"/>
           </a:ln>
         </p:spPr>
         <p:style>
@@ -4010,22 +4020,100 @@
           </a:fontRef>
         </p:style>
       </p:cxnSp>
-      <p:sp>
-        <p:nvSpPr>
-          <p:cNvPr id="183" name="Oval 182"/>
+      <p:cxnSp>
+        <p:nvCxnSpPr>
+          <p:cNvPr id="51" name="Elbow Connector 50"/>
+          <p:cNvCxnSpPr>
+            <a:stCxn id="19" idx="3"/>
+            <a:endCxn id="23" idx="0"/>
+          </p:cNvCxnSpPr>
+          <p:nvPr/>
+        </p:nvCxnSpPr>
+        <p:spPr>
+          <a:xfrm>
+            <a:off x="5118493" y="3292346"/>
+            <a:ext cx="1237625" cy="757951"/>
+          </a:xfrm>
+          <a:prstGeom prst="bentConnector2">
+            <a:avLst/>
+          </a:prstGeom>
+          <a:ln w="31750">
+            <a:solidFill>
+              <a:schemeClr val="tx1"/>
+            </a:solidFill>
+            <a:tailEnd type="triangle"/>
+          </a:ln>
+        </p:spPr>
+        <p:style>
+          <a:lnRef idx="1">
+            <a:schemeClr val="accent1"/>
+          </a:lnRef>
+          <a:fillRef idx="0">
+            <a:schemeClr val="accent1"/>
+          </a:fillRef>
+          <a:effectRef idx="0">
+            <a:schemeClr val="accent1"/>
+          </a:effectRef>
+          <a:fontRef idx="minor">
+            <a:schemeClr val="tx1"/>
+          </a:fontRef>
+        </p:style>
+      </p:cxnSp>
+      <p:cxnSp>
+        <p:nvCxnSpPr>
+          <p:cNvPr id="56" name="Straight Arrow Connector 55"/>
+          <p:cNvCxnSpPr>
+            <a:stCxn id="21" idx="2"/>
+            <a:endCxn id="5" idx="0"/>
+          </p:cNvCxnSpPr>
+          <p:nvPr/>
+        </p:nvCxnSpPr>
+        <p:spPr>
+          <a:xfrm flipH="1">
+            <a:off x="4475254" y="5446843"/>
+            <a:ext cx="1" cy="775348"/>
+          </a:xfrm>
+          <a:prstGeom prst="straightConnector1">
+            <a:avLst/>
+          </a:prstGeom>
+          <a:ln w="31750">
+            <a:solidFill>
+              <a:schemeClr val="tx1"/>
+            </a:solidFill>
+            <a:tailEnd type="stealth"/>
+          </a:ln>
+        </p:spPr>
+        <p:style>
+          <a:lnRef idx="1">
+            <a:schemeClr val="accent1"/>
+          </a:lnRef>
+          <a:fillRef idx="0">
+            <a:schemeClr val="accent1"/>
+          </a:fillRef>
+          <a:effectRef idx="0">
+            <a:schemeClr val="accent1"/>
+          </a:effectRef>
+          <a:fontRef idx="minor">
+            <a:schemeClr val="tx1"/>
+          </a:fontRef>
+        </p:style>
+      </p:cxnSp>
+      <p:sp>
+        <p:nvSpPr>
+          <p:cNvPr id="89" name="Oval 88"/>
           <p:cNvSpPr/>
           <p:nvPr/>
         </p:nvSpPr>
         <p:spPr>
           <a:xfrm>
-            <a:off x="4386195" y="6198117"/>
-            <a:ext cx="290926" cy="274058"/>
+            <a:off x="3459484" y="984635"/>
+            <a:ext cx="372532" cy="389513"/>
           </a:xfrm>
           <a:prstGeom prst="ellipse">
             <a:avLst/>
           </a:prstGeom>
           <a:noFill/>
-          <a:ln>
+          <a:ln w="6350">
             <a:solidFill>
               <a:schemeClr val="tx1"/>
             </a:solidFill>
@@ -4048,53 +4136,164 @@
           </a:fontRef>
         </p:style>
         <p:txBody>
-          <a:bodyPr rtlCol="0" anchor="ctr"/>
+          <a:bodyPr lIns="45720" rIns="45720" rtlCol="0" anchor="ctr">
+            <a:normAutofit/>
+          </a:bodyPr>
           <a:lstStyle/>
           <a:p>
             <a:pPr algn="ctr"/>
-            <a:endParaRPr lang="en-US"/>
-          </a:p>
-        </p:txBody>
-      </p:sp>
-      <p:cxnSp>
-        <p:nvCxnSpPr>
-          <p:cNvPr id="29" name="Shape 28"/>
-          <p:cNvCxnSpPr>
-            <a:stCxn id="14" idx="3"/>
-            <a:endCxn id="23" idx="0"/>
-          </p:cNvCxnSpPr>
+            <a:r>
+              <a:rPr lang="en-US" sz="1200" dirty="0" smtClean="0">
+                <a:solidFill>
+                  <a:schemeClr val="tx1"/>
+                </a:solidFill>
+              </a:rPr>
+              <a:t>1.</a:t>
+            </a:r>
+            <a:endParaRPr lang="en-US" sz="1200" dirty="0">
+              <a:solidFill>
+                <a:schemeClr val="tx1"/>
+              </a:solidFill>
+            </a:endParaRPr>
+          </a:p>
+        </p:txBody>
+      </p:sp>
+      <p:sp>
+        <p:nvSpPr>
+          <p:cNvPr id="94" name="Oval 93"/>
+          <p:cNvSpPr/>
           <p:nvPr/>
-        </p:nvCxnSpPr>
+        </p:nvSpPr>
         <p:spPr>
           <a:xfrm>
-            <a:off x="3614297" y="1646749"/>
-            <a:ext cx="2741821" cy="2526112"/>
-          </a:xfrm>
-          <a:prstGeom prst="bentConnector2">
+            <a:off x="3459485" y="1881246"/>
+            <a:ext cx="372532" cy="389513"/>
+          </a:xfrm>
+          <a:prstGeom prst="ellipse">
             <a:avLst/>
           </a:prstGeom>
-          <a:ln w="31750">
+          <a:noFill/>
+          <a:ln w="6350">
             <a:solidFill>
               <a:schemeClr val="tx1"/>
             </a:solidFill>
-            <a:tailEnd type="arrow"/>
           </a:ln>
         </p:spPr>
         <p:style>
-          <a:lnRef idx="1">
-            <a:schemeClr val="accent1"/>
+          <a:lnRef idx="2">
+            <a:schemeClr val="accent1">
+              <a:shade val="50000"/>
+            </a:schemeClr>
           </a:lnRef>
-          <a:fillRef idx="0">
+          <a:fillRef idx="1">
             <a:schemeClr val="accent1"/>
           </a:fillRef>
           <a:effectRef idx="0">
             <a:schemeClr val="accent1"/>
           </a:effectRef>
           <a:fontRef idx="minor">
-            <a:schemeClr val="tx1"/>
+            <a:schemeClr val="lt1"/>
           </a:fontRef>
         </p:style>
-      </p:cxnSp>
+        <p:txBody>
+          <a:bodyPr lIns="45720" rIns="45720" rtlCol="0" anchor="ctr">
+            <a:normAutofit/>
+          </a:bodyPr>
+          <a:lstStyle/>
+          <a:p>
+            <a:pPr algn="ctr"/>
+            <a:r>
+              <a:rPr lang="en-US" sz="1200" dirty="0">
+                <a:solidFill>
+                  <a:schemeClr val="tx1"/>
+                </a:solidFill>
+              </a:rPr>
+              <a:t>2</a:t>
+            </a:r>
+            <a:r>
+              <a:rPr lang="en-US" sz="1200" dirty="0" smtClean="0">
+                <a:solidFill>
+                  <a:schemeClr val="tx1"/>
+                </a:solidFill>
+              </a:rPr>
+              <a:t>.</a:t>
+            </a:r>
+            <a:endParaRPr lang="en-US" sz="1200" dirty="0">
+              <a:solidFill>
+                <a:schemeClr val="tx1"/>
+              </a:solidFill>
+            </a:endParaRPr>
+          </a:p>
+        </p:txBody>
+      </p:sp>
+      <p:sp>
+        <p:nvSpPr>
+          <p:cNvPr id="95" name="Oval 94"/>
+          <p:cNvSpPr/>
+          <p:nvPr/>
+        </p:nvSpPr>
+        <p:spPr>
+          <a:xfrm>
+            <a:off x="3459485" y="2818623"/>
+            <a:ext cx="372532" cy="389513"/>
+          </a:xfrm>
+          <a:prstGeom prst="ellipse">
+            <a:avLst/>
+          </a:prstGeom>
+          <a:noFill/>
+          <a:ln w="6350">
+            <a:solidFill>
+              <a:schemeClr val="tx1"/>
+            </a:solidFill>
+          </a:ln>
+        </p:spPr>
+        <p:style>
+          <a:lnRef idx="2">
+            <a:schemeClr val="accent1">
+              <a:shade val="50000"/>
+            </a:schemeClr>
+          </a:lnRef>
+          <a:fillRef idx="1">
+            <a:schemeClr val="accent1"/>
+          </a:fillRef>
+          <a:effectRef idx="0">
+            <a:schemeClr val="accent1"/>
+          </a:effectRef>
+          <a:fontRef idx="minor">
+            <a:schemeClr val="lt1"/>
+          </a:fontRef>
+        </p:style>
+        <p:txBody>
+          <a:bodyPr lIns="45720" rIns="45720" rtlCol="0" anchor="ctr">
+            <a:normAutofit/>
+          </a:bodyPr>
+          <a:lstStyle/>
+          <a:p>
+            <a:pPr algn="ctr"/>
+            <a:r>
+              <a:rPr lang="en-US" sz="1200" dirty="0">
+                <a:solidFill>
+                  <a:schemeClr val="tx1"/>
+                </a:solidFill>
+              </a:rPr>
+              <a:t>3</a:t>
+            </a:r>
+            <a:r>
+              <a:rPr lang="en-US" sz="1200" smtClean="0">
+                <a:solidFill>
+                  <a:schemeClr val="tx1"/>
+                </a:solidFill>
+              </a:rPr>
+              <a:t>.</a:t>
+            </a:r>
+            <a:endParaRPr lang="en-US" sz="1200" dirty="0">
+              <a:solidFill>
+                <a:schemeClr val="tx1"/>
+              </a:solidFill>
+            </a:endParaRPr>
+          </a:p>
+        </p:txBody>
+      </p:sp>
     </p:spTree>
     <p:extLst>
       <p:ext uri="{BB962C8B-B14F-4D97-AF65-F5344CB8AC3E}">

--- a/meeting-notes/Appointment state diagram.pptx
+++ b/meeting-notes/Appointment state diagram.pptx
@@ -4100,197 +4100,184 @@
       </p:cxnSp>
       <p:sp>
         <p:nvSpPr>
-          <p:cNvPr id="89" name="Oval 88"/>
-          <p:cNvSpPr/>
+          <p:cNvPr id="99" name="TextBox 98"/>
+          <p:cNvSpPr txBox="1"/>
           <p:nvPr/>
         </p:nvSpPr>
         <p:spPr>
           <a:xfrm>
-            <a:off x="3459484" y="984635"/>
-            <a:ext cx="372532" cy="389513"/>
-          </a:xfrm>
-          <a:prstGeom prst="ellipse">
+            <a:off x="4155602" y="580383"/>
+            <a:ext cx="219669" cy="369332"/>
+          </a:xfrm>
+          <a:prstGeom prst="rect">
             <a:avLst/>
           </a:prstGeom>
           <a:noFill/>
-          <a:ln w="6350">
-            <a:solidFill>
-              <a:schemeClr val="tx1"/>
-            </a:solidFill>
-          </a:ln>
-        </p:spPr>
-        <p:style>
-          <a:lnRef idx="2">
-            <a:schemeClr val="accent1">
-              <a:shade val="50000"/>
-            </a:schemeClr>
-          </a:lnRef>
-          <a:fillRef idx="1">
-            <a:schemeClr val="accent1"/>
-          </a:fillRef>
-          <a:effectRef idx="0">
-            <a:schemeClr val="accent1"/>
-          </a:effectRef>
-          <a:fontRef idx="minor">
-            <a:schemeClr val="lt1"/>
-          </a:fontRef>
-        </p:style>
-        <p:txBody>
-          <a:bodyPr lIns="45720" rIns="45720" rtlCol="0" anchor="ctr">
-            <a:normAutofit/>
+        </p:spPr>
+        <p:txBody>
+          <a:bodyPr wrap="square" rtlCol="0">
+            <a:spAutoFit/>
           </a:bodyPr>
           <a:lstStyle/>
           <a:p>
-            <a:pPr algn="ctr"/>
-            <a:r>
-              <a:rPr lang="en-US" sz="1200" dirty="0" smtClean="0">
-                <a:solidFill>
-                  <a:schemeClr val="tx1"/>
-                </a:solidFill>
-              </a:rPr>
-              <a:t>1.</a:t>
-            </a:r>
-            <a:endParaRPr lang="en-US" sz="1200" dirty="0">
-              <a:solidFill>
-                <a:schemeClr val="tx1"/>
-              </a:solidFill>
-            </a:endParaRPr>
-          </a:p>
-        </p:txBody>
-      </p:sp>
-      <p:sp>
-        <p:nvSpPr>
-          <p:cNvPr id="94" name="Oval 93"/>
-          <p:cNvSpPr/>
+            <a:r>
+              <a:rPr lang="en-US" dirty="0"/>
+              <a:t>3</a:t>
+            </a:r>
+          </a:p>
+        </p:txBody>
+      </p:sp>
+      <p:sp>
+        <p:nvSpPr>
+          <p:cNvPr id="104" name="TextBox 103"/>
+          <p:cNvSpPr txBox="1"/>
           <p:nvPr/>
         </p:nvSpPr>
         <p:spPr>
           <a:xfrm>
-            <a:off x="3459485" y="1881246"/>
-            <a:ext cx="372532" cy="389513"/>
-          </a:xfrm>
-          <a:prstGeom prst="ellipse">
+            <a:off x="4155602" y="1664011"/>
+            <a:ext cx="167253" cy="369332"/>
+          </a:xfrm>
+          <a:prstGeom prst="rect">
             <a:avLst/>
           </a:prstGeom>
           <a:noFill/>
-          <a:ln w="6350">
-            <a:solidFill>
-              <a:schemeClr val="tx1"/>
-            </a:solidFill>
-          </a:ln>
-        </p:spPr>
-        <p:style>
-          <a:lnRef idx="2">
-            <a:schemeClr val="accent1">
-              <a:shade val="50000"/>
-            </a:schemeClr>
-          </a:lnRef>
-          <a:fillRef idx="1">
-            <a:schemeClr val="accent1"/>
-          </a:fillRef>
-          <a:effectRef idx="0">
-            <a:schemeClr val="accent1"/>
-          </a:effectRef>
-          <a:fontRef idx="minor">
-            <a:schemeClr val="lt1"/>
-          </a:fontRef>
-        </p:style>
-        <p:txBody>
-          <a:bodyPr lIns="45720" rIns="45720" rtlCol="0" anchor="ctr">
-            <a:normAutofit/>
+        </p:spPr>
+        <p:txBody>
+          <a:bodyPr wrap="square" rtlCol="0">
+            <a:spAutoFit/>
           </a:bodyPr>
           <a:lstStyle/>
           <a:p>
-            <a:pPr algn="ctr"/>
-            <a:r>
-              <a:rPr lang="en-US" sz="1200" dirty="0">
-                <a:solidFill>
-                  <a:schemeClr val="tx1"/>
-                </a:solidFill>
-              </a:rPr>
-              <a:t>2</a:t>
-            </a:r>
-            <a:r>
-              <a:rPr lang="en-US" sz="1200" dirty="0" smtClean="0">
-                <a:solidFill>
-                  <a:schemeClr val="tx1"/>
-                </a:solidFill>
-              </a:rPr>
-              <a:t>.</a:t>
-            </a:r>
-            <a:endParaRPr lang="en-US" sz="1200" dirty="0">
-              <a:solidFill>
-                <a:schemeClr val="tx1"/>
-              </a:solidFill>
-            </a:endParaRPr>
-          </a:p>
-        </p:txBody>
-      </p:sp>
-      <p:sp>
-        <p:nvSpPr>
-          <p:cNvPr id="95" name="Oval 94"/>
-          <p:cNvSpPr/>
+            <a:r>
+              <a:rPr lang="en-US" dirty="0" smtClean="0"/>
+              <a:t>5</a:t>
+            </a:r>
+            <a:endParaRPr lang="en-US" dirty="0"/>
+          </a:p>
+        </p:txBody>
+      </p:sp>
+      <p:sp>
+        <p:nvSpPr>
+          <p:cNvPr id="105" name="TextBox 104"/>
+          <p:cNvSpPr txBox="1"/>
           <p:nvPr/>
         </p:nvSpPr>
         <p:spPr>
           <a:xfrm>
-            <a:off x="3459485" y="2818623"/>
-            <a:ext cx="372532" cy="389513"/>
-          </a:xfrm>
-          <a:prstGeom prst="ellipse">
+            <a:off x="4129393" y="2635250"/>
+            <a:ext cx="219669" cy="369332"/>
+          </a:xfrm>
+          <a:prstGeom prst="rect">
             <a:avLst/>
           </a:prstGeom>
           <a:noFill/>
-          <a:ln w="6350">
-            <a:solidFill>
-              <a:schemeClr val="tx1"/>
-            </a:solidFill>
-          </a:ln>
-        </p:spPr>
-        <p:style>
-          <a:lnRef idx="2">
-            <a:schemeClr val="accent1">
-              <a:shade val="50000"/>
-            </a:schemeClr>
-          </a:lnRef>
-          <a:fillRef idx="1">
-            <a:schemeClr val="accent1"/>
-          </a:fillRef>
-          <a:effectRef idx="0">
-            <a:schemeClr val="accent1"/>
-          </a:effectRef>
-          <a:fontRef idx="minor">
-            <a:schemeClr val="lt1"/>
-          </a:fontRef>
-        </p:style>
-        <p:txBody>
-          <a:bodyPr lIns="45720" rIns="45720" rtlCol="0" anchor="ctr">
-            <a:normAutofit/>
+        </p:spPr>
+        <p:txBody>
+          <a:bodyPr wrap="square" rtlCol="0">
+            <a:spAutoFit/>
           </a:bodyPr>
           <a:lstStyle/>
           <a:p>
-            <a:pPr algn="ctr"/>
-            <a:r>
-              <a:rPr lang="en-US" sz="1200" dirty="0">
-                <a:solidFill>
-                  <a:schemeClr val="tx1"/>
-                </a:solidFill>
-              </a:rPr>
-              <a:t>3</a:t>
-            </a:r>
-            <a:r>
-              <a:rPr lang="en-US" sz="1200" smtClean="0">
-                <a:solidFill>
-                  <a:schemeClr val="tx1"/>
-                </a:solidFill>
-              </a:rPr>
-              <a:t>.</a:t>
-            </a:r>
-            <a:endParaRPr lang="en-US" sz="1200" dirty="0">
-              <a:solidFill>
-                <a:schemeClr val="tx1"/>
-              </a:solidFill>
-            </a:endParaRPr>
+            <a:r>
+              <a:rPr lang="en-US" dirty="0" smtClean="0"/>
+              <a:t>8</a:t>
+            </a:r>
+            <a:endParaRPr lang="en-US" dirty="0"/>
+          </a:p>
+        </p:txBody>
+      </p:sp>
+      <p:sp>
+        <p:nvSpPr>
+          <p:cNvPr id="106" name="TextBox 105"/>
+          <p:cNvSpPr txBox="1"/>
+          <p:nvPr/>
+        </p:nvSpPr>
+        <p:spPr>
+          <a:xfrm>
+            <a:off x="5474732" y="1912558"/>
+            <a:ext cx="441037" cy="369332"/>
+          </a:xfrm>
+          <a:prstGeom prst="rect">
+            <a:avLst/>
+          </a:prstGeom>
+          <a:noFill/>
+        </p:spPr>
+        <p:txBody>
+          <a:bodyPr wrap="square" rtlCol="0">
+            <a:spAutoFit/>
+          </a:bodyPr>
+          <a:lstStyle/>
+          <a:p>
+            <a:r>
+              <a:rPr lang="en-US" dirty="0" smtClean="0"/>
+              <a:t>6r</a:t>
+            </a:r>
+            <a:endParaRPr lang="en-US" dirty="0"/>
+          </a:p>
+        </p:txBody>
+      </p:sp>
+      <p:sp>
+        <p:nvSpPr>
+          <p:cNvPr id="107" name="TextBox 106"/>
+          <p:cNvSpPr txBox="1"/>
+          <p:nvPr/>
+        </p:nvSpPr>
+        <p:spPr>
+          <a:xfrm>
+            <a:off x="5473034" y="2907735"/>
+            <a:ext cx="442735" cy="369332"/>
+          </a:xfrm>
+          <a:prstGeom prst="rect">
+            <a:avLst/>
+          </a:prstGeom>
+          <a:noFill/>
+        </p:spPr>
+        <p:txBody>
+          <a:bodyPr wrap="square" rtlCol="0">
+            <a:spAutoFit/>
+          </a:bodyPr>
+          <a:lstStyle/>
+          <a:p>
+            <a:r>
+              <a:rPr lang="en-US" dirty="0" smtClean="0"/>
+              <a:t>9c</a:t>
+            </a:r>
+            <a:endParaRPr lang="en-US" dirty="0"/>
+          </a:p>
+        </p:txBody>
+      </p:sp>
+      <p:sp>
+        <p:nvSpPr>
+          <p:cNvPr id="109" name="TextBox 108"/>
+          <p:cNvSpPr txBox="1"/>
+          <p:nvPr/>
+        </p:nvSpPr>
+        <p:spPr>
+          <a:xfrm>
+            <a:off x="5252859" y="1027762"/>
+            <a:ext cx="883084" cy="369332"/>
+          </a:xfrm>
+          <a:prstGeom prst="rect">
+            <a:avLst/>
+          </a:prstGeom>
+          <a:noFill/>
+        </p:spPr>
+        <p:txBody>
+          <a:bodyPr wrap="square" rtlCol="0">
+            <a:spAutoFit/>
+          </a:bodyPr>
+          <a:lstStyle/>
+          <a:p>
+            <a:r>
+              <a:rPr lang="en-US"/>
+              <a:t>4</a:t>
+            </a:r>
+            <a:r>
+              <a:rPr lang="en-US" smtClean="0"/>
+              <a:t>r or 6r </a:t>
+            </a:r>
+            <a:endParaRPr lang="en-US" dirty="0"/>
           </a:p>
         </p:txBody>
       </p:sp>
@@ -4304,6 +4291,13 @@
   <p:clrMapOvr>
     <a:masterClrMapping/>
   </p:clrMapOvr>
+  <p:timing>
+    <p:tnLst>
+      <p:par>
+        <p:cTn id="1" dur="indefinite" restart="never" nodeType="tmRoot"/>
+      </p:par>
+    </p:tnLst>
+  </p:timing>
 </p:sld>
 </file>
 

--- a/meeting-notes/Appointment state diagram.pptx
+++ b/meeting-notes/Appointment state diagram.pptx
@@ -255,7 +255,7 @@
             <a:fld id="{D416B234-FC43-3641-B805-7771F292827F}" type="datetimeFigureOut">
               <a:rPr lang="en-US" smtClean="0"/>
               <a:pPr/>
-              <a:t>8/12/17</a:t>
+              <a:t>3/19/18</a:t>
             </a:fld>
             <a:endParaRPr lang="en-US"/>
           </a:p>
@@ -427,7 +427,7 @@
             <a:fld id="{D416B234-FC43-3641-B805-7771F292827F}" type="datetimeFigureOut">
               <a:rPr lang="en-US" smtClean="0"/>
               <a:pPr/>
-              <a:t>8/12/17</a:t>
+              <a:t>3/19/18</a:t>
             </a:fld>
             <a:endParaRPr lang="en-US"/>
           </a:p>
@@ -609,7 +609,7 @@
             <a:fld id="{D416B234-FC43-3641-B805-7771F292827F}" type="datetimeFigureOut">
               <a:rPr lang="en-US" smtClean="0"/>
               <a:pPr/>
-              <a:t>8/12/17</a:t>
+              <a:t>3/19/18</a:t>
             </a:fld>
             <a:endParaRPr lang="en-US"/>
           </a:p>
@@ -781,7 +781,7 @@
             <a:fld id="{D416B234-FC43-3641-B805-7771F292827F}" type="datetimeFigureOut">
               <a:rPr lang="en-US" smtClean="0"/>
               <a:pPr/>
-              <a:t>8/12/17</a:t>
+              <a:t>3/19/18</a:t>
             </a:fld>
             <a:endParaRPr lang="en-US"/>
           </a:p>
@@ -1029,7 +1029,7 @@
             <a:fld id="{D416B234-FC43-3641-B805-7771F292827F}" type="datetimeFigureOut">
               <a:rPr lang="en-US" smtClean="0"/>
               <a:pPr/>
-              <a:t>8/12/17</a:t>
+              <a:t>3/19/18</a:t>
             </a:fld>
             <a:endParaRPr lang="en-US"/>
           </a:p>
@@ -1263,7 +1263,7 @@
             <a:fld id="{D416B234-FC43-3641-B805-7771F292827F}" type="datetimeFigureOut">
               <a:rPr lang="en-US" smtClean="0"/>
               <a:pPr/>
-              <a:t>8/12/17</a:t>
+              <a:t>3/19/18</a:t>
             </a:fld>
             <a:endParaRPr lang="en-US"/>
           </a:p>
@@ -1632,7 +1632,7 @@
             <a:fld id="{D416B234-FC43-3641-B805-7771F292827F}" type="datetimeFigureOut">
               <a:rPr lang="en-US" smtClean="0"/>
               <a:pPr/>
-              <a:t>8/12/17</a:t>
+              <a:t>3/19/18</a:t>
             </a:fld>
             <a:endParaRPr lang="en-US"/>
           </a:p>
@@ -1752,7 +1752,7 @@
             <a:fld id="{D416B234-FC43-3641-B805-7771F292827F}" type="datetimeFigureOut">
               <a:rPr lang="en-US" smtClean="0"/>
               <a:pPr/>
-              <a:t>8/12/17</a:t>
+              <a:t>3/19/18</a:t>
             </a:fld>
             <a:endParaRPr lang="en-US"/>
           </a:p>
@@ -1849,7 +1849,7 @@
             <a:fld id="{D416B234-FC43-3641-B805-7771F292827F}" type="datetimeFigureOut">
               <a:rPr lang="en-US" smtClean="0"/>
               <a:pPr/>
-              <a:t>8/12/17</a:t>
+              <a:t>3/19/18</a:t>
             </a:fld>
             <a:endParaRPr lang="en-US"/>
           </a:p>
@@ -2128,7 +2128,7 @@
             <a:fld id="{D416B234-FC43-3641-B805-7771F292827F}" type="datetimeFigureOut">
               <a:rPr lang="en-US" smtClean="0"/>
               <a:pPr/>
-              <a:t>8/12/17</a:t>
+              <a:t>3/19/18</a:t>
             </a:fld>
             <a:endParaRPr lang="en-US"/>
           </a:p>
@@ -2383,7 +2383,7 @@
             <a:fld id="{D416B234-FC43-3641-B805-7771F292827F}" type="datetimeFigureOut">
               <a:rPr lang="en-US" smtClean="0"/>
               <a:pPr/>
-              <a:t>8/12/17</a:t>
+              <a:t>3/19/18</a:t>
             </a:fld>
             <a:endParaRPr lang="en-US"/>
           </a:p>
@@ -2598,7 +2598,7 @@
             <a:fld id="{D416B234-FC43-3641-B805-7771F292827F}" type="datetimeFigureOut">
               <a:rPr lang="en-US" smtClean="0"/>
               <a:pPr/>
-              <a:t>8/12/17</a:t>
+              <a:t>3/19/18</a:t>
             </a:fld>
             <a:endParaRPr lang="en-US"/>
           </a:p>
@@ -4196,7 +4196,7 @@
         <p:spPr>
           <a:xfrm>
             <a:off x="5474732" y="1912558"/>
-            <a:ext cx="441037" cy="369332"/>
+            <a:ext cx="774993" cy="369332"/>
           </a:xfrm>
           <a:prstGeom prst="rect">
             <a:avLst/>
@@ -4210,8 +4210,8 @@
           <a:lstStyle/>
           <a:p>
             <a:r>
-              <a:rPr lang="en-US" dirty="0" smtClean="0"/>
-              <a:t>6r</a:t>
+              <a:rPr lang="en-US" smtClean="0"/>
+              <a:t>6r, 6c</a:t>
             </a:r>
             <a:endParaRPr lang="en-US" dirty="0"/>
           </a:p>
@@ -4225,8 +4225,8 @@
         </p:nvSpPr>
         <p:spPr>
           <a:xfrm>
-            <a:off x="5473034" y="2907735"/>
-            <a:ext cx="442735" cy="369332"/>
+            <a:off x="6356117" y="4641210"/>
+            <a:ext cx="756196" cy="646331"/>
           </a:xfrm>
           <a:prstGeom prst="rect">
             <a:avLst/>
@@ -4241,7 +4241,11 @@
           <a:p>
             <a:r>
               <a:rPr lang="en-US" dirty="0" smtClean="0"/>
-              <a:t>9c</a:t>
+              <a:t>10</a:t>
+            </a:r>
+            <a:r>
+              <a:rPr lang="en-US" dirty="0" smtClean="0"/>
+              <a:t>c, 11c</a:t>
             </a:r>
             <a:endParaRPr lang="en-US" dirty="0"/>
           </a:p>
@@ -4276,6 +4280,36 @@
             <a:r>
               <a:rPr lang="en-US" smtClean="0"/>
               <a:t>r or 6r </a:t>
+            </a:r>
+            <a:endParaRPr lang="en-US" dirty="0"/>
+          </a:p>
+        </p:txBody>
+      </p:sp>
+      <p:sp>
+        <p:nvSpPr>
+          <p:cNvPr id="36" name="TextBox 35"/>
+          <p:cNvSpPr txBox="1"/>
+          <p:nvPr/>
+        </p:nvSpPr>
+        <p:spPr>
+          <a:xfrm>
+            <a:off x="5515937" y="2957103"/>
+            <a:ext cx="442735" cy="369332"/>
+          </a:xfrm>
+          <a:prstGeom prst="rect">
+            <a:avLst/>
+          </a:prstGeom>
+          <a:noFill/>
+        </p:spPr>
+        <p:txBody>
+          <a:bodyPr wrap="square" rtlCol="0">
+            <a:spAutoFit/>
+          </a:bodyPr>
+          <a:lstStyle/>
+          <a:p>
+            <a:r>
+              <a:rPr lang="en-US" dirty="0" smtClean="0"/>
+              <a:t>9c</a:t>
             </a:r>
             <a:endParaRPr lang="en-US" dirty="0"/>
           </a:p>
